--- a/python_installer/odoo_autocad_installation_guide.pptx
+++ b/python_installer/odoo_autocad_installation_guide.pptx
@@ -44,7 +44,7 @@
     <p:sldId id="292" r:id="rId38"/>
     <p:sldId id="299" r:id="rId39"/>
     <p:sldId id="293" r:id="rId40"/>
-    <p:sldId id="287" r:id="rId41"/>
+    <p:sldId id="300" r:id="rId41"/>
     <p:sldId id="288" r:id="rId42"/>
     <p:sldId id="289" r:id="rId43"/>
   </p:sldIdLst>
@@ -329,7 +329,7 @@
           <a:p>
             <a:fld id="{33EEB7FE-5CEF-4749-9F31-4E5F98A2BD45}" type="datetimeFigureOut">
               <a:rPr lang="zh-TW" altLang="en-US" smtClean="0"/>
-              <a:t>2023/2/6</a:t>
+              <a:t>2023/8/8</a:t>
             </a:fld>
             <a:endParaRPr lang="zh-TW" altLang="en-US"/>
           </a:p>
@@ -499,7 +499,7 @@
           <a:p>
             <a:fld id="{33EEB7FE-5CEF-4749-9F31-4E5F98A2BD45}" type="datetimeFigureOut">
               <a:rPr lang="zh-TW" altLang="en-US" smtClean="0"/>
-              <a:t>2023/2/6</a:t>
+              <a:t>2023/8/8</a:t>
             </a:fld>
             <a:endParaRPr lang="zh-TW" altLang="en-US"/>
           </a:p>
@@ -679,7 +679,7 @@
           <a:p>
             <a:fld id="{33EEB7FE-5CEF-4749-9F31-4E5F98A2BD45}" type="datetimeFigureOut">
               <a:rPr lang="zh-TW" altLang="en-US" smtClean="0"/>
-              <a:t>2023/2/6</a:t>
+              <a:t>2023/8/8</a:t>
             </a:fld>
             <a:endParaRPr lang="zh-TW" altLang="en-US"/>
           </a:p>
@@ -849,7 +849,7 @@
           <a:p>
             <a:fld id="{33EEB7FE-5CEF-4749-9F31-4E5F98A2BD45}" type="datetimeFigureOut">
               <a:rPr lang="zh-TW" altLang="en-US" smtClean="0"/>
-              <a:t>2023/2/6</a:t>
+              <a:t>2023/8/8</a:t>
             </a:fld>
             <a:endParaRPr lang="zh-TW" altLang="en-US"/>
           </a:p>
@@ -1095,7 +1095,7 @@
           <a:p>
             <a:fld id="{33EEB7FE-5CEF-4749-9F31-4E5F98A2BD45}" type="datetimeFigureOut">
               <a:rPr lang="zh-TW" altLang="en-US" smtClean="0"/>
-              <a:t>2023/2/6</a:t>
+              <a:t>2023/8/8</a:t>
             </a:fld>
             <a:endParaRPr lang="zh-TW" altLang="en-US"/>
           </a:p>
@@ -1383,7 +1383,7 @@
           <a:p>
             <a:fld id="{33EEB7FE-5CEF-4749-9F31-4E5F98A2BD45}" type="datetimeFigureOut">
               <a:rPr lang="zh-TW" altLang="en-US" smtClean="0"/>
-              <a:t>2023/2/6</a:t>
+              <a:t>2023/8/8</a:t>
             </a:fld>
             <a:endParaRPr lang="zh-TW" altLang="en-US"/>
           </a:p>
@@ -1805,7 +1805,7 @@
           <a:p>
             <a:fld id="{33EEB7FE-5CEF-4749-9F31-4E5F98A2BD45}" type="datetimeFigureOut">
               <a:rPr lang="zh-TW" altLang="en-US" smtClean="0"/>
-              <a:t>2023/2/6</a:t>
+              <a:t>2023/8/8</a:t>
             </a:fld>
             <a:endParaRPr lang="zh-TW" altLang="en-US"/>
           </a:p>
@@ -1923,7 +1923,7 @@
           <a:p>
             <a:fld id="{33EEB7FE-5CEF-4749-9F31-4E5F98A2BD45}" type="datetimeFigureOut">
               <a:rPr lang="zh-TW" altLang="en-US" smtClean="0"/>
-              <a:t>2023/2/6</a:t>
+              <a:t>2023/8/8</a:t>
             </a:fld>
             <a:endParaRPr lang="zh-TW" altLang="en-US"/>
           </a:p>
@@ -2018,7 +2018,7 @@
           <a:p>
             <a:fld id="{33EEB7FE-5CEF-4749-9F31-4E5F98A2BD45}" type="datetimeFigureOut">
               <a:rPr lang="zh-TW" altLang="en-US" smtClean="0"/>
-              <a:t>2023/2/6</a:t>
+              <a:t>2023/8/8</a:t>
             </a:fld>
             <a:endParaRPr lang="zh-TW" altLang="en-US"/>
           </a:p>
@@ -2295,7 +2295,7 @@
           <a:p>
             <a:fld id="{33EEB7FE-5CEF-4749-9F31-4E5F98A2BD45}" type="datetimeFigureOut">
               <a:rPr lang="zh-TW" altLang="en-US" smtClean="0"/>
-              <a:t>2023/2/6</a:t>
+              <a:t>2023/8/8</a:t>
             </a:fld>
             <a:endParaRPr lang="zh-TW" altLang="en-US"/>
           </a:p>
@@ -2548,7 +2548,7 @@
           <a:p>
             <a:fld id="{33EEB7FE-5CEF-4749-9F31-4E5F98A2BD45}" type="datetimeFigureOut">
               <a:rPr lang="zh-TW" altLang="en-US" smtClean="0"/>
-              <a:t>2023/2/6</a:t>
+              <a:t>2023/8/8</a:t>
             </a:fld>
             <a:endParaRPr lang="zh-TW" altLang="en-US"/>
           </a:p>
@@ -2761,7 +2761,7 @@
           <a:p>
             <a:fld id="{33EEB7FE-5CEF-4749-9F31-4E5F98A2BD45}" type="datetimeFigureOut">
               <a:rPr lang="zh-TW" altLang="en-US" smtClean="0"/>
-              <a:t>2023/2/6</a:t>
+              <a:t>2023/8/8</a:t>
             </a:fld>
             <a:endParaRPr lang="zh-TW" altLang="en-US"/>
           </a:p>
@@ -4128,13 +4128,6 @@
               </a:rPr>
               <a:t>exit()</a:t>
             </a:r>
-            <a:endParaRPr lang="en-US" altLang="zh-TW" b="1" dirty="0" smtClean="0">
-              <a:solidFill>
-                <a:srgbClr val="FF0000"/>
-              </a:solidFill>
-              <a:latin typeface="微軟正黑體" panose="020B0604030504040204" pitchFamily="34" charset="-120"/>
-              <a:ea typeface="微軟正黑體" panose="020B0604030504040204" pitchFamily="34" charset="-120"/>
-            </a:endParaRPr>
           </a:p>
         </p:txBody>
       </p:sp>
@@ -4421,10 +4414,6 @@
               </a:rPr>
               <a:t>必要套件</a:t>
             </a:r>
-            <a:endParaRPr lang="zh-TW" altLang="en-US" dirty="0">
-              <a:latin typeface="微軟正黑體" panose="020B0604030504040204" pitchFamily="34" charset="-120"/>
-              <a:ea typeface="微軟正黑體" panose="020B0604030504040204" pitchFamily="34" charset="-120"/>
-            </a:endParaRPr>
           </a:p>
         </p:txBody>
       </p:sp>
@@ -6028,45 +6017,9 @@
           <a:chExt cx="0" cy="0"/>
         </a:xfrm>
       </p:grpSpPr>
-      <p:sp>
-        <p:nvSpPr>
-          <p:cNvPr id="2" name="標題 1"/>
-          <p:cNvSpPr>
-            <a:spLocks noGrp="1"/>
-          </p:cNvSpPr>
-          <p:nvPr>
-            <p:ph type="title"/>
-          </p:nvPr>
-        </p:nvSpPr>
-        <p:spPr/>
-        <p:txBody>
-          <a:bodyPr/>
-          <a:lstStyle/>
-          <a:p>
-            <a:r>
-              <a:rPr lang="en-US" altLang="zh-TW" dirty="0" err="1">
-                <a:latin typeface="微軟正黑體" panose="020B0604030504040204" pitchFamily="34" charset="-120"/>
-                <a:ea typeface="微軟正黑體" panose="020B0604030504040204" pitchFamily="34" charset="-120"/>
-              </a:rPr>
-              <a:t>Autolisp</a:t>
-            </a:r>
-            <a:r>
-              <a:rPr lang="zh-TW" altLang="en-US" dirty="0">
-                <a:latin typeface="微軟正黑體" panose="020B0604030504040204" pitchFamily="34" charset="-120"/>
-                <a:ea typeface="微軟正黑體" panose="020B0604030504040204" pitchFamily="34" charset="-120"/>
-              </a:rPr>
-              <a:t>設為自動載入</a:t>
-            </a:r>
-            <a:endParaRPr lang="zh-TW" altLang="en-US" dirty="0">
-              <a:latin typeface="微軟正黑體" panose="020B0604030504040204" pitchFamily="34" charset="-120"/>
-              <a:ea typeface="微軟正黑體" panose="020B0604030504040204" pitchFamily="34" charset="-120"/>
-            </a:endParaRPr>
-          </a:p>
-        </p:txBody>
-      </p:sp>
       <p:pic>
         <p:nvPicPr>
-          <p:cNvPr id="19458" name="Picture 2"/>
+          <p:cNvPr id="1027" name="Picture 3"/>
           <p:cNvPicPr>
             <a:picLocks noChangeAspect="1" noChangeArrowheads="1"/>
           </p:cNvPicPr>
@@ -6087,8 +6040,8 @@
         </p:blipFill>
         <p:spPr bwMode="auto">
           <a:xfrm>
-            <a:off x="395536" y="1484784"/>
-            <a:ext cx="5983287" cy="5219700"/>
+            <a:off x="395536" y="1268760"/>
+            <a:ext cx="5954713" cy="5200650"/>
           </a:xfrm>
           <a:prstGeom prst="rect">
             <a:avLst/>
@@ -6130,13 +6083,45 @@
       </p:pic>
       <p:sp>
         <p:nvSpPr>
+          <p:cNvPr id="2" name="標題 1"/>
+          <p:cNvSpPr>
+            <a:spLocks noGrp="1"/>
+          </p:cNvSpPr>
+          <p:nvPr>
+            <p:ph type="title"/>
+          </p:nvPr>
+        </p:nvSpPr>
+        <p:spPr/>
+        <p:txBody>
+          <a:bodyPr/>
+          <a:lstStyle/>
+          <a:p>
+            <a:r>
+              <a:rPr lang="en-US" altLang="zh-TW" dirty="0" err="1">
+                <a:latin typeface="微軟正黑體" panose="020B0604030504040204" pitchFamily="34" charset="-120"/>
+                <a:ea typeface="微軟正黑體" panose="020B0604030504040204" pitchFamily="34" charset="-120"/>
+              </a:rPr>
+              <a:t>Autolisp</a:t>
+            </a:r>
+            <a:r>
+              <a:rPr lang="zh-TW" altLang="en-US" dirty="0">
+                <a:latin typeface="微軟正黑體" panose="020B0604030504040204" pitchFamily="34" charset="-120"/>
+                <a:ea typeface="微軟正黑體" panose="020B0604030504040204" pitchFamily="34" charset="-120"/>
+              </a:rPr>
+              <a:t>設為自動載入</a:t>
+            </a:r>
+          </a:p>
+        </p:txBody>
+      </p:sp>
+      <p:sp>
+        <p:nvSpPr>
           <p:cNvPr id="6" name="矩形 5"/>
           <p:cNvSpPr/>
           <p:nvPr/>
         </p:nvSpPr>
         <p:spPr>
           <a:xfrm>
-            <a:off x="4788024" y="5316751"/>
+            <a:off x="4856560" y="5693296"/>
             <a:ext cx="4256186" cy="936104"/>
           </a:xfrm>
           <a:prstGeom prst="rect">
@@ -6282,10 +6267,6 @@
               </a:rPr>
               <a:t>設為自動載入</a:t>
             </a:r>
-            <a:endParaRPr lang="zh-TW" altLang="en-US" dirty="0">
-              <a:latin typeface="微軟正黑體" panose="020B0604030504040204" pitchFamily="34" charset="-120"/>
-              <a:ea typeface="微軟正黑體" panose="020B0604030504040204" pitchFamily="34" charset="-120"/>
-            </a:endParaRPr>
           </a:p>
         </p:txBody>
       </p:sp>
@@ -6463,10 +6444,6 @@
               </a:rPr>
               <a:t>設為自動載入</a:t>
             </a:r>
-            <a:endParaRPr lang="zh-TW" altLang="en-US" dirty="0">
-              <a:latin typeface="微軟正黑體" panose="020B0604030504040204" pitchFamily="34" charset="-120"/>
-              <a:ea typeface="微軟正黑體" panose="020B0604030504040204" pitchFamily="34" charset="-120"/>
-            </a:endParaRPr>
           </a:p>
         </p:txBody>
       </p:sp>
@@ -6644,10 +6621,6 @@
               </a:rPr>
               <a:t>設為自動載入</a:t>
             </a:r>
-            <a:endParaRPr lang="zh-TW" altLang="en-US" dirty="0">
-              <a:latin typeface="微軟正黑體" panose="020B0604030504040204" pitchFamily="34" charset="-120"/>
-              <a:ea typeface="微軟正黑體" panose="020B0604030504040204" pitchFamily="34" charset="-120"/>
-            </a:endParaRPr>
           </a:p>
         </p:txBody>
       </p:sp>
@@ -7594,17 +7567,7 @@
                 <a:latin typeface="微軟正黑體" panose="020B0604030504040204" pitchFamily="34" charset="-120"/>
                 <a:ea typeface="微軟正黑體" panose="020B0604030504040204" pitchFamily="34" charset="-120"/>
               </a:rPr>
-              <a:t>貼上</a:t>
-            </a:r>
-            <a:r>
-              <a:rPr lang="zh-TW" altLang="en-US" b="1" dirty="0" smtClean="0">
-                <a:solidFill>
-                  <a:schemeClr val="tx1"/>
-                </a:solidFill>
-                <a:latin typeface="微軟正黑體" panose="020B0604030504040204" pitchFamily="34" charset="-120"/>
-                <a:ea typeface="微軟正黑體" panose="020B0604030504040204" pitchFamily="34" charset="-120"/>
-              </a:rPr>
-              <a:t> </a:t>
+              <a:t>貼上 </a:t>
             </a:r>
             <a:r>
               <a:rPr lang="en-US" altLang="zh-TW" b="1" dirty="0" err="1" smtClean="0">
@@ -9012,10 +8975,6 @@
               </a:rPr>
               <a:t>設定網路磁碟機</a:t>
             </a:r>
-            <a:endParaRPr lang="zh-TW" altLang="en-US" dirty="0">
-              <a:latin typeface="微軟正黑體" panose="020B0604030504040204" pitchFamily="34" charset="-120"/>
-              <a:ea typeface="微軟正黑體" panose="020B0604030504040204" pitchFamily="34" charset="-120"/>
-            </a:endParaRPr>
           </a:p>
         </p:txBody>
       </p:sp>
@@ -10956,10 +10915,6 @@
               </a:rPr>
               <a:t>工具列各功能說明</a:t>
             </a:r>
-            <a:endParaRPr lang="zh-TW" altLang="en-US" dirty="0">
-              <a:latin typeface="微軟正黑體" panose="020B0604030504040204" pitchFamily="34" charset="-120"/>
-              <a:ea typeface="微軟正黑體" panose="020B0604030504040204" pitchFamily="34" charset="-120"/>
-            </a:endParaRPr>
           </a:p>
         </p:txBody>
       </p:sp>
@@ -11067,7 +11022,27 @@
                 <a:latin typeface="微軟正黑體" panose="020B0604030504040204" pitchFamily="34" charset="-120"/>
                 <a:ea typeface="微軟正黑體" panose="020B0604030504040204" pitchFamily="34" charset="-120"/>
               </a:rPr>
-              <a:t>利用彈跳視窗，更新圖框中的料材料、顏色、加工方式</a:t>
+              <a:t>利用彈跳視窗，更新圖框</a:t>
+            </a:r>
+            <a:r>
+              <a:rPr lang="zh-TW" altLang="en-US" b="1" dirty="0" smtClean="0">
+                <a:solidFill>
+                  <a:schemeClr val="tx1"/>
+                </a:solidFill>
+                <a:latin typeface="微軟正黑體" panose="020B0604030504040204" pitchFamily="34" charset="-120"/>
+                <a:ea typeface="微軟正黑體" panose="020B0604030504040204" pitchFamily="34" charset="-120"/>
+              </a:rPr>
+              <a:t>中的材料</a:t>
+            </a:r>
+            <a:r>
+              <a:rPr lang="zh-TW" altLang="en-US" b="1" dirty="0" smtClean="0">
+                <a:solidFill>
+                  <a:schemeClr val="tx1"/>
+                </a:solidFill>
+                <a:latin typeface="微軟正黑體" panose="020B0604030504040204" pitchFamily="34" charset="-120"/>
+                <a:ea typeface="微軟正黑體" panose="020B0604030504040204" pitchFamily="34" charset="-120"/>
+              </a:rPr>
+              <a:t>、顏色、加工方式</a:t>
             </a:r>
             <a:endParaRPr lang="en-US" altLang="zh-TW" b="1" dirty="0" smtClean="0">
               <a:solidFill>
@@ -11224,10 +11199,6 @@
               </a:rPr>
               <a:t>工具列各功能說明</a:t>
             </a:r>
-            <a:endParaRPr lang="zh-TW" altLang="en-US" dirty="0">
-              <a:latin typeface="微軟正黑體" panose="020B0604030504040204" pitchFamily="34" charset="-120"/>
-              <a:ea typeface="微軟正黑體" panose="020B0604030504040204" pitchFamily="34" charset="-120"/>
-            </a:endParaRPr>
           </a:p>
         </p:txBody>
       </p:sp>
@@ -12320,6 +12291,70 @@
           <a:chExt cx="0" cy="0"/>
         </a:xfrm>
       </p:grpSpPr>
+      <p:pic>
+        <p:nvPicPr>
+          <p:cNvPr id="8" name="Picture 3"/>
+          <p:cNvPicPr>
+            <a:picLocks noChangeAspect="1" noChangeArrowheads="1"/>
+          </p:cNvPicPr>
+          <p:nvPr/>
+        </p:nvPicPr>
+        <p:blipFill>
+          <a:blip r:embed="rId2">
+            <a:extLst>
+              <a:ext uri="{28A0092B-C50C-407E-A947-70E740481C1C}">
+                <a14:useLocalDpi xmlns:a14="http://schemas.microsoft.com/office/drawing/2010/main" val="0"/>
+              </a:ext>
+            </a:extLst>
+          </a:blip>
+          <a:srcRect/>
+          <a:stretch>
+            <a:fillRect/>
+          </a:stretch>
+        </p:blipFill>
+        <p:spPr bwMode="auto">
+          <a:xfrm>
+            <a:off x="153566" y="1484784"/>
+            <a:ext cx="7757237" cy="5373216"/>
+          </a:xfrm>
+          <a:prstGeom prst="rect">
+            <a:avLst/>
+          </a:prstGeom>
+          <a:noFill/>
+          <a:ln>
+            <a:noFill/>
+          </a:ln>
+          <a:effectLst/>
+          <a:extLst>
+            <a:ext uri="{909E8E84-426E-40DD-AFC4-6F175D3DCCD1}">
+              <a14:hiddenFill xmlns:a14="http://schemas.microsoft.com/office/drawing/2010/main">
+                <a:solidFill>
+                  <a:schemeClr val="accent1"/>
+                </a:solidFill>
+              </a14:hiddenFill>
+            </a:ext>
+            <a:ext uri="{91240B29-F687-4F45-9708-019B960494DF}">
+              <a14:hiddenLine xmlns:a14="http://schemas.microsoft.com/office/drawing/2010/main" w="9525">
+                <a:solidFill>
+                  <a:schemeClr val="tx1"/>
+                </a:solidFill>
+                <a:miter lim="800000"/>
+                <a:headEnd/>
+                <a:tailEnd/>
+              </a14:hiddenLine>
+            </a:ext>
+            <a:ext uri="{AF507438-7753-43E0-B8FC-AC1667EBCBE1}">
+              <a14:hiddenEffects xmlns:a14="http://schemas.microsoft.com/office/drawing/2010/main">
+                <a:effectLst>
+                  <a:outerShdw dist="35921" dir="2700000" algn="ctr" rotWithShape="0">
+                    <a:schemeClr val="bg2"/>
+                  </a:outerShdw>
+                </a:effectLst>
+              </a14:hiddenEffects>
+            </a:ext>
+          </a:extLst>
+        </p:spPr>
+      </p:pic>
       <p:sp>
         <p:nvSpPr>
           <p:cNvPr id="2" name="標題 1"/>
@@ -12336,29 +12371,26 @@
           <a:lstStyle/>
           <a:p>
             <a:r>
-              <a:rPr lang="zh-TW" altLang="en-US" dirty="0" smtClean="0">
-                <a:latin typeface="微軟正黑體" panose="020B0604030504040204" pitchFamily="34" charset="-120"/>
-                <a:ea typeface="微軟正黑體" panose="020B0604030504040204" pitchFamily="34" charset="-120"/>
-              </a:rPr>
-              <a:t>測試區網址</a:t>
-            </a:r>
-            <a:endParaRPr lang="zh-TW" altLang="en-US" dirty="0">
-              <a:latin typeface="微軟正黑體" panose="020B0604030504040204" pitchFamily="34" charset="-120"/>
-              <a:ea typeface="微軟正黑體" panose="020B0604030504040204" pitchFamily="34" charset="-120"/>
-            </a:endParaRPr>
-          </a:p>
-        </p:txBody>
-      </p:sp>
-      <p:sp>
-        <p:nvSpPr>
-          <p:cNvPr id="5" name="矩形 4"/>
+              <a:rPr lang="zh-TW" altLang="en-US" dirty="0">
+                <a:latin typeface="微軟正黑體" panose="020B0604030504040204" pitchFamily="34" charset="-120"/>
+                <a:ea typeface="微軟正黑體" panose="020B0604030504040204" pitchFamily="34" charset="-120"/>
+              </a:rPr>
+              <a:t>工具列各功能說明</a:t>
+            </a:r>
+            <a:endParaRPr lang="zh-TW" altLang="en-US" dirty="0"/>
+          </a:p>
+        </p:txBody>
+      </p:sp>
+      <p:sp>
+        <p:nvSpPr>
+          <p:cNvPr id="6" name="矩形 5"/>
           <p:cNvSpPr/>
           <p:nvPr/>
         </p:nvSpPr>
         <p:spPr>
           <a:xfrm>
-            <a:off x="539552" y="2996952"/>
-            <a:ext cx="7848872" cy="936104"/>
+            <a:off x="5685854" y="5157193"/>
+            <a:ext cx="470322" cy="360040"/>
           </a:xfrm>
           <a:prstGeom prst="rect">
             <a:avLst/>
@@ -12390,27 +12422,404 @@
           <a:bodyPr rtlCol="0" anchor="ctr"/>
           <a:lstStyle/>
           <a:p>
-            <a:pPr algn="ctr"/>
-            <a:r>
-              <a:rPr lang="en-US" altLang="zh-TW" dirty="0">
-                <a:solidFill>
-                  <a:srgbClr val="002060"/>
-                </a:solidFill>
-              </a:rPr>
-              <a:t>https://odoo-esmith-1124-stage-6571675.dev.odoo.com</a:t>
-            </a:r>
-            <a:r>
-              <a:rPr lang="en-US" altLang="zh-TW" dirty="0" smtClean="0">
-                <a:solidFill>
-                  <a:srgbClr val="002060"/>
-                </a:solidFill>
-              </a:rPr>
-              <a:t>/</a:t>
-            </a:r>
-            <a:endParaRPr lang="zh-TW" altLang="en-US" dirty="0">
+            <a:endParaRPr lang="zh-TW" altLang="en-US" b="1" dirty="0">
               <a:solidFill>
-                <a:srgbClr val="002060"/>
+                <a:schemeClr val="tx1"/>
               </a:solidFill>
+              <a:latin typeface="微軟正黑體" panose="020B0604030504040204" pitchFamily="34" charset="-120"/>
+              <a:ea typeface="微軟正黑體" panose="020B0604030504040204" pitchFamily="34" charset="-120"/>
+            </a:endParaRPr>
+          </a:p>
+        </p:txBody>
+      </p:sp>
+      <p:sp>
+        <p:nvSpPr>
+          <p:cNvPr id="9" name="矩形 8"/>
+          <p:cNvSpPr/>
+          <p:nvPr/>
+        </p:nvSpPr>
+        <p:spPr>
+          <a:xfrm>
+            <a:off x="4211960" y="3933056"/>
+            <a:ext cx="4256186" cy="2088232"/>
+          </a:xfrm>
+          <a:prstGeom prst="rect">
+            <a:avLst/>
+          </a:prstGeom>
+        </p:spPr>
+        <p:style>
+          <a:lnRef idx="2">
+            <a:schemeClr val="accent1">
+              <a:shade val="50000"/>
+            </a:schemeClr>
+          </a:lnRef>
+          <a:fillRef idx="1">
+            <a:schemeClr val="accent1"/>
+          </a:fillRef>
+          <a:effectRef idx="0">
+            <a:schemeClr val="accent1"/>
+          </a:effectRef>
+          <a:fontRef idx="minor">
+            <a:schemeClr val="lt1"/>
+          </a:fontRef>
+        </p:style>
+        <p:txBody>
+          <a:bodyPr rtlCol="0" anchor="ctr"/>
+          <a:lstStyle/>
+          <a:p>
+            <a:r>
+              <a:rPr lang="en-US" altLang="zh-TW" b="1" dirty="0" smtClean="0">
+                <a:solidFill>
+                  <a:schemeClr val="tx1"/>
+                </a:solidFill>
+                <a:latin typeface="微軟正黑體" panose="020B0604030504040204" pitchFamily="34" charset="-120"/>
+                <a:ea typeface="微軟正黑體" panose="020B0604030504040204" pitchFamily="34" charset="-120"/>
+              </a:rPr>
+              <a:t>L</a:t>
+            </a:r>
+            <a:r>
+              <a:rPr lang="en-US" altLang="zh-TW" b="1" dirty="0">
+                <a:solidFill>
+                  <a:schemeClr val="tx1"/>
+                </a:solidFill>
+                <a:latin typeface="微軟正黑體" panose="020B0604030504040204" pitchFamily="34" charset="-120"/>
+                <a:ea typeface="微軟正黑體" panose="020B0604030504040204" pitchFamily="34" charset="-120"/>
+              </a:rPr>
+              <a:t>0</a:t>
+            </a:r>
+            <a:r>
+              <a:rPr lang="en-US" altLang="zh-TW" b="1" dirty="0" smtClean="0">
+                <a:solidFill>
+                  <a:schemeClr val="tx1"/>
+                </a:solidFill>
+                <a:latin typeface="微軟正黑體" panose="020B0604030504040204" pitchFamily="34" charset="-120"/>
+                <a:ea typeface="微軟正黑體" panose="020B0604030504040204" pitchFamily="34" charset="-120"/>
+              </a:rPr>
+              <a:t>: </a:t>
+            </a:r>
+            <a:r>
+              <a:rPr lang="zh-TW" altLang="en-US" b="1" dirty="0" smtClean="0">
+                <a:solidFill>
+                  <a:schemeClr val="tx1"/>
+                </a:solidFill>
+                <a:latin typeface="微軟正黑體" panose="020B0604030504040204" pitchFamily="34" charset="-120"/>
+                <a:ea typeface="微軟正黑體" panose="020B0604030504040204" pitchFamily="34" charset="-120"/>
+              </a:rPr>
+              <a:t>建立</a:t>
+            </a:r>
+            <a:r>
+              <a:rPr lang="en-US" altLang="zh-TW" b="1" dirty="0" err="1" smtClean="0">
+                <a:solidFill>
+                  <a:schemeClr val="tx1"/>
+                </a:solidFill>
+                <a:latin typeface="微軟正黑體" panose="020B0604030504040204" pitchFamily="34" charset="-120"/>
+                <a:ea typeface="微軟正黑體" panose="020B0604030504040204" pitchFamily="34" charset="-120"/>
+              </a:rPr>
+              <a:t>Odoo</a:t>
+            </a:r>
+            <a:r>
+              <a:rPr lang="zh-TW" altLang="en-US" b="1" dirty="0" smtClean="0">
+                <a:solidFill>
+                  <a:schemeClr val="tx1"/>
+                </a:solidFill>
+                <a:latin typeface="微軟正黑體" panose="020B0604030504040204" pitchFamily="34" charset="-120"/>
+                <a:ea typeface="微軟正黑體" panose="020B0604030504040204" pitchFamily="34" charset="-120"/>
+              </a:rPr>
+              <a:t>與</a:t>
+            </a:r>
+            <a:r>
+              <a:rPr lang="en-US" altLang="zh-TW" b="1" dirty="0" smtClean="0">
+                <a:solidFill>
+                  <a:schemeClr val="tx1"/>
+                </a:solidFill>
+                <a:latin typeface="微軟正黑體" panose="020B0604030504040204" pitchFamily="34" charset="-120"/>
+                <a:ea typeface="微軟正黑體" panose="020B0604030504040204" pitchFamily="34" charset="-120"/>
+              </a:rPr>
+              <a:t>AutoCAD</a:t>
+            </a:r>
+            <a:r>
+              <a:rPr lang="zh-TW" altLang="en-US" b="1" dirty="0" smtClean="0">
+                <a:solidFill>
+                  <a:schemeClr val="tx1"/>
+                </a:solidFill>
+                <a:latin typeface="微軟正黑體" panose="020B0604030504040204" pitchFamily="34" charset="-120"/>
+                <a:ea typeface="微軟正黑體" panose="020B0604030504040204" pitchFamily="34" charset="-120"/>
+              </a:rPr>
+              <a:t>橋樑</a:t>
+            </a:r>
+            <a:endParaRPr lang="en-US" altLang="zh-TW" b="1" dirty="0" smtClean="0">
+              <a:solidFill>
+                <a:schemeClr val="tx1"/>
+              </a:solidFill>
+              <a:latin typeface="微軟正黑體" panose="020B0604030504040204" pitchFamily="34" charset="-120"/>
+              <a:ea typeface="微軟正黑體" panose="020B0604030504040204" pitchFamily="34" charset="-120"/>
+            </a:endParaRPr>
+          </a:p>
+          <a:p>
+            <a:r>
+              <a:rPr lang="en-US" altLang="zh-TW" b="1" dirty="0" smtClean="0">
+                <a:solidFill>
+                  <a:schemeClr val="tx1"/>
+                </a:solidFill>
+                <a:latin typeface="微軟正黑體" panose="020B0604030504040204" pitchFamily="34" charset="-120"/>
+                <a:ea typeface="微軟正黑體" panose="020B0604030504040204" pitchFamily="34" charset="-120"/>
+              </a:rPr>
+              <a:t>L1: </a:t>
+            </a:r>
+            <a:r>
+              <a:rPr lang="zh-TW" altLang="en-US" b="1" dirty="0" smtClean="0">
+                <a:solidFill>
+                  <a:schemeClr val="tx1"/>
+                </a:solidFill>
+                <a:latin typeface="微軟正黑體" panose="020B0604030504040204" pitchFamily="34" charset="-120"/>
+                <a:ea typeface="微軟正黑體" panose="020B0604030504040204" pitchFamily="34" charset="-120"/>
+              </a:rPr>
+              <a:t>整合原先</a:t>
+            </a:r>
+            <a:r>
+              <a:rPr lang="en-US" altLang="zh-TW" b="1" dirty="0" smtClean="0">
+                <a:solidFill>
+                  <a:schemeClr val="tx1"/>
+                </a:solidFill>
+                <a:latin typeface="微軟正黑體" panose="020B0604030504040204" pitchFamily="34" charset="-120"/>
+                <a:ea typeface="微軟正黑體" panose="020B0604030504040204" pitchFamily="34" charset="-120"/>
+              </a:rPr>
+              <a:t>O1</a:t>
+            </a:r>
+            <a:r>
+              <a:rPr lang="zh-TW" altLang="en-US" b="1" dirty="0" smtClean="0">
+                <a:solidFill>
+                  <a:schemeClr val="tx1"/>
+                </a:solidFill>
+                <a:latin typeface="微軟正黑體" panose="020B0604030504040204" pitchFamily="34" charset="-120"/>
+                <a:ea typeface="微軟正黑體" panose="020B0604030504040204" pitchFamily="34" charset="-120"/>
+              </a:rPr>
+              <a:t>與</a:t>
+            </a:r>
+            <a:r>
+              <a:rPr lang="en-US" altLang="zh-TW" b="1" dirty="0" smtClean="0">
+                <a:solidFill>
+                  <a:schemeClr val="tx1"/>
+                </a:solidFill>
+                <a:latin typeface="微軟正黑體" panose="020B0604030504040204" pitchFamily="34" charset="-120"/>
+                <a:ea typeface="微軟正黑體" panose="020B0604030504040204" pitchFamily="34" charset="-120"/>
+              </a:rPr>
+              <a:t>O2</a:t>
+            </a:r>
+            <a:r>
+              <a:rPr lang="zh-TW" altLang="en-US" b="1" dirty="0" smtClean="0">
+                <a:solidFill>
+                  <a:schemeClr val="tx1"/>
+                </a:solidFill>
+                <a:latin typeface="微軟正黑體" panose="020B0604030504040204" pitchFamily="34" charset="-120"/>
+                <a:ea typeface="微軟正黑體" panose="020B0604030504040204" pitchFamily="34" charset="-120"/>
+              </a:rPr>
+              <a:t>，設定</a:t>
+            </a:r>
+            <a:r>
+              <a:rPr lang="zh-TW" altLang="en-US" b="1" dirty="0">
+                <a:solidFill>
+                  <a:schemeClr val="tx1"/>
+                </a:solidFill>
+                <a:latin typeface="微軟正黑體" panose="020B0604030504040204" pitchFamily="34" charset="-120"/>
+                <a:ea typeface="微軟正黑體" panose="020B0604030504040204" pitchFamily="34" charset="-120"/>
+              </a:rPr>
+              <a:t>圖框材料、顏色、加工</a:t>
+            </a:r>
+            <a:r>
+              <a:rPr lang="zh-TW" altLang="en-US" b="1" dirty="0" smtClean="0">
+                <a:solidFill>
+                  <a:schemeClr val="tx1"/>
+                </a:solidFill>
+                <a:latin typeface="微軟正黑體" panose="020B0604030504040204" pitchFamily="34" charset="-120"/>
+                <a:ea typeface="微軟正黑體" panose="020B0604030504040204" pitchFamily="34" charset="-120"/>
+              </a:rPr>
+              <a:t>方式</a:t>
+            </a:r>
+            <a:endParaRPr lang="en-US" altLang="zh-TW" b="1" dirty="0" smtClean="0">
+              <a:solidFill>
+                <a:schemeClr val="tx1"/>
+              </a:solidFill>
+              <a:latin typeface="微軟正黑體" panose="020B0604030504040204" pitchFamily="34" charset="-120"/>
+              <a:ea typeface="微軟正黑體" panose="020B0604030504040204" pitchFamily="34" charset="-120"/>
+            </a:endParaRPr>
+          </a:p>
+          <a:p>
+            <a:r>
+              <a:rPr lang="en-US" altLang="zh-TW" b="1" dirty="0" smtClean="0">
+                <a:solidFill>
+                  <a:schemeClr val="tx1"/>
+                </a:solidFill>
+                <a:latin typeface="微軟正黑體" panose="020B0604030504040204" pitchFamily="34" charset="-120"/>
+                <a:ea typeface="微軟正黑體" panose="020B0604030504040204" pitchFamily="34" charset="-120"/>
+              </a:rPr>
+              <a:t>L3: </a:t>
+            </a:r>
+            <a:r>
+              <a:rPr lang="zh-TW" altLang="en-US" b="1" dirty="0" smtClean="0">
+                <a:solidFill>
+                  <a:schemeClr val="tx1"/>
+                </a:solidFill>
+                <a:latin typeface="微軟正黑體" panose="020B0604030504040204" pitchFamily="34" charset="-120"/>
+                <a:ea typeface="微軟正黑體" panose="020B0604030504040204" pitchFamily="34" charset="-120"/>
+              </a:rPr>
+              <a:t>與</a:t>
+            </a:r>
+            <a:r>
+              <a:rPr lang="en-US" altLang="zh-TW" b="1" dirty="0" smtClean="0">
+                <a:solidFill>
+                  <a:schemeClr val="tx1"/>
+                </a:solidFill>
+                <a:latin typeface="微軟正黑體" panose="020B0604030504040204" pitchFamily="34" charset="-120"/>
+                <a:ea typeface="微軟正黑體" panose="020B0604030504040204" pitchFamily="34" charset="-120"/>
+              </a:rPr>
+              <a:t>O3</a:t>
+            </a:r>
+            <a:r>
+              <a:rPr lang="zh-TW" altLang="en-US" b="1" dirty="0" smtClean="0">
+                <a:solidFill>
+                  <a:schemeClr val="tx1"/>
+                </a:solidFill>
+                <a:latin typeface="微軟正黑體" panose="020B0604030504040204" pitchFamily="34" charset="-120"/>
+                <a:ea typeface="微軟正黑體" panose="020B0604030504040204" pitchFamily="34" charset="-120"/>
+              </a:rPr>
+              <a:t>一樣，但有多配置時，速度比</a:t>
+            </a:r>
+            <a:r>
+              <a:rPr lang="en-US" altLang="zh-TW" b="1" dirty="0" smtClean="0">
+                <a:solidFill>
+                  <a:schemeClr val="tx1"/>
+                </a:solidFill>
+                <a:latin typeface="微軟正黑體" panose="020B0604030504040204" pitchFamily="34" charset="-120"/>
+                <a:ea typeface="微軟正黑體" panose="020B0604030504040204" pitchFamily="34" charset="-120"/>
+              </a:rPr>
+              <a:t>O3</a:t>
+            </a:r>
+            <a:r>
+              <a:rPr lang="zh-TW" altLang="en-US" b="1" dirty="0" smtClean="0">
+                <a:solidFill>
+                  <a:schemeClr val="tx1"/>
+                </a:solidFill>
+                <a:latin typeface="微軟正黑體" panose="020B0604030504040204" pitchFamily="34" charset="-120"/>
+                <a:ea typeface="微軟正黑體" panose="020B0604030504040204" pitchFamily="34" charset="-120"/>
+              </a:rPr>
+              <a:t>快幾</a:t>
+            </a:r>
+            <a:r>
+              <a:rPr lang="zh-TW" altLang="en-US" b="1" dirty="0">
+                <a:solidFill>
+                  <a:schemeClr val="tx1"/>
+                </a:solidFill>
+                <a:latin typeface="微軟正黑體" panose="020B0604030504040204" pitchFamily="34" charset="-120"/>
+                <a:ea typeface="微軟正黑體" panose="020B0604030504040204" pitchFamily="34" charset="-120"/>
+              </a:rPr>
+              <a:t>百</a:t>
+            </a:r>
+            <a:r>
+              <a:rPr lang="zh-TW" altLang="en-US" b="1" dirty="0" smtClean="0">
+                <a:solidFill>
+                  <a:schemeClr val="tx1"/>
+                </a:solidFill>
+                <a:latin typeface="微軟正黑體" panose="020B0604030504040204" pitchFamily="34" charset="-120"/>
+                <a:ea typeface="微軟正黑體" panose="020B0604030504040204" pitchFamily="34" charset="-120"/>
+              </a:rPr>
+              <a:t>倍</a:t>
+            </a:r>
+            <a:endParaRPr lang="en-US" altLang="zh-TW" b="1" dirty="0" smtClean="0">
+              <a:solidFill>
+                <a:schemeClr val="tx1"/>
+              </a:solidFill>
+              <a:latin typeface="微軟正黑體" panose="020B0604030504040204" pitchFamily="34" charset="-120"/>
+              <a:ea typeface="微軟正黑體" panose="020B0604030504040204" pitchFamily="34" charset="-120"/>
+            </a:endParaRPr>
+          </a:p>
+          <a:p>
+            <a:r>
+              <a:rPr lang="en-US" altLang="zh-TW" b="1" dirty="0" smtClean="0">
+                <a:solidFill>
+                  <a:schemeClr val="tx1"/>
+                </a:solidFill>
+                <a:latin typeface="微軟正黑體" panose="020B0604030504040204" pitchFamily="34" charset="-120"/>
+                <a:ea typeface="微軟正黑體" panose="020B0604030504040204" pitchFamily="34" charset="-120"/>
+              </a:rPr>
+              <a:t>L4:</a:t>
+            </a:r>
+            <a:r>
+              <a:rPr lang="zh-TW" altLang="en-US" b="1" dirty="0">
+                <a:solidFill>
+                  <a:schemeClr val="tx1"/>
+                </a:solidFill>
+                <a:latin typeface="微軟正黑體" panose="020B0604030504040204" pitchFamily="34" charset="-120"/>
+                <a:ea typeface="微軟正黑體" panose="020B0604030504040204" pitchFamily="34" charset="-120"/>
+              </a:rPr>
+              <a:t>與</a:t>
+            </a:r>
+            <a:r>
+              <a:rPr lang="en-US" altLang="zh-TW" b="1" dirty="0" smtClean="0">
+                <a:solidFill>
+                  <a:schemeClr val="tx1"/>
+                </a:solidFill>
+                <a:latin typeface="微軟正黑體" panose="020B0604030504040204" pitchFamily="34" charset="-120"/>
+                <a:ea typeface="微軟正黑體" panose="020B0604030504040204" pitchFamily="34" charset="-120"/>
+              </a:rPr>
+              <a:t>O4</a:t>
+            </a:r>
+            <a:r>
+              <a:rPr lang="zh-TW" altLang="en-US" b="1" dirty="0" smtClean="0">
+                <a:solidFill>
+                  <a:schemeClr val="tx1"/>
+                </a:solidFill>
+                <a:latin typeface="微軟正黑體" panose="020B0604030504040204" pitchFamily="34" charset="-120"/>
+                <a:ea typeface="微軟正黑體" panose="020B0604030504040204" pitchFamily="34" charset="-120"/>
+              </a:rPr>
+              <a:t>一樣</a:t>
+            </a:r>
+            <a:r>
+              <a:rPr lang="zh-TW" altLang="en-US" b="1" dirty="0">
+                <a:solidFill>
+                  <a:schemeClr val="tx1"/>
+                </a:solidFill>
+                <a:latin typeface="微軟正黑體" panose="020B0604030504040204" pitchFamily="34" charset="-120"/>
+                <a:ea typeface="微軟正黑體" panose="020B0604030504040204" pitchFamily="34" charset="-120"/>
+              </a:rPr>
+              <a:t>，但有多配置時，速度比</a:t>
+            </a:r>
+            <a:r>
+              <a:rPr lang="en-US" altLang="zh-TW" b="1" dirty="0" smtClean="0">
+                <a:solidFill>
+                  <a:schemeClr val="tx1"/>
+                </a:solidFill>
+                <a:latin typeface="微軟正黑體" panose="020B0604030504040204" pitchFamily="34" charset="-120"/>
+                <a:ea typeface="微軟正黑體" panose="020B0604030504040204" pitchFamily="34" charset="-120"/>
+              </a:rPr>
+              <a:t>O4</a:t>
+            </a:r>
+            <a:r>
+              <a:rPr lang="zh-TW" altLang="en-US" b="1" dirty="0" smtClean="0">
+                <a:solidFill>
+                  <a:schemeClr val="tx1"/>
+                </a:solidFill>
+                <a:latin typeface="微軟正黑體" panose="020B0604030504040204" pitchFamily="34" charset="-120"/>
+                <a:ea typeface="微軟正黑體" panose="020B0604030504040204" pitchFamily="34" charset="-120"/>
+              </a:rPr>
+              <a:t>快</a:t>
+            </a:r>
+            <a:r>
+              <a:rPr lang="zh-TW" altLang="en-US" b="1" dirty="0">
+                <a:solidFill>
+                  <a:schemeClr val="tx1"/>
+                </a:solidFill>
+                <a:latin typeface="微軟正黑體" panose="020B0604030504040204" pitchFamily="34" charset="-120"/>
+                <a:ea typeface="微軟正黑體" panose="020B0604030504040204" pitchFamily="34" charset="-120"/>
+              </a:rPr>
+              <a:t>好幾倍</a:t>
+            </a:r>
+            <a:endParaRPr lang="zh-TW" altLang="en-US" b="1" dirty="0">
+              <a:solidFill>
+                <a:schemeClr val="tx1"/>
+              </a:solidFill>
+              <a:latin typeface="微軟正黑體" panose="020B0604030504040204" pitchFamily="34" charset="-120"/>
+              <a:ea typeface="微軟正黑體" panose="020B0604030504040204" pitchFamily="34" charset="-120"/>
             </a:endParaRPr>
           </a:p>
         </p:txBody>
@@ -12418,7 +12827,7 @@
     </p:spTree>
     <p:extLst>
       <p:ext uri="{BB962C8B-B14F-4D97-AF65-F5344CB8AC3E}">
-        <p14:creationId xmlns:p14="http://schemas.microsoft.com/office/powerpoint/2010/main" val="4202483631"/>
+        <p14:creationId xmlns:p14="http://schemas.microsoft.com/office/powerpoint/2010/main" val="4174753199"/>
       </p:ext>
     </p:extLst>
   </p:cSld>
@@ -13844,14 +14253,7 @@
                 <a:latin typeface="微軟正黑體" panose="020B0604030504040204" pitchFamily="34" charset="-120"/>
                 <a:ea typeface="微軟正黑體" panose="020B0604030504040204" pitchFamily="34" charset="-120"/>
               </a:rPr>
-              <a:t>C</a:t>
-            </a:r>
-            <a:r>
-              <a:rPr lang="en-US" altLang="zh-TW" b="1" dirty="0" smtClean="0">
-                <a:latin typeface="微軟正黑體" panose="020B0604030504040204" pitchFamily="34" charset="-120"/>
-                <a:ea typeface="微軟正黑體" panose="020B0604030504040204" pitchFamily="34" charset="-120"/>
-              </a:rPr>
-              <a:t>:\Python\Python310</a:t>
+              <a:t>C:\Python\Python310</a:t>
             </a:r>
           </a:p>
         </p:txBody>

--- a/python_installer/odoo_autocad_installation_guide.pptx
+++ b/python_installer/odoo_autocad_installation_guide.pptx
@@ -45,8 +45,9 @@
     <p:sldId id="299" r:id="rId39"/>
     <p:sldId id="293" r:id="rId40"/>
     <p:sldId id="300" r:id="rId41"/>
-    <p:sldId id="288" r:id="rId42"/>
-    <p:sldId id="289" r:id="rId43"/>
+    <p:sldId id="302" r:id="rId42"/>
+    <p:sldId id="288" r:id="rId43"/>
+    <p:sldId id="289" r:id="rId44"/>
   </p:sldIdLst>
   <p:sldSz cx="9144000" cy="6858000" type="screen4x3"/>
   <p:notesSz cx="6858000" cy="9144000"/>
@@ -329,7 +330,7 @@
           <a:p>
             <a:fld id="{33EEB7FE-5CEF-4749-9F31-4E5F98A2BD45}" type="datetimeFigureOut">
               <a:rPr lang="zh-TW" altLang="en-US" smtClean="0"/>
-              <a:t>2023/8/8</a:t>
+              <a:t>2023/8/9</a:t>
             </a:fld>
             <a:endParaRPr lang="zh-TW" altLang="en-US"/>
           </a:p>
@@ -499,7 +500,7 @@
           <a:p>
             <a:fld id="{33EEB7FE-5CEF-4749-9F31-4E5F98A2BD45}" type="datetimeFigureOut">
               <a:rPr lang="zh-TW" altLang="en-US" smtClean="0"/>
-              <a:t>2023/8/8</a:t>
+              <a:t>2023/8/9</a:t>
             </a:fld>
             <a:endParaRPr lang="zh-TW" altLang="en-US"/>
           </a:p>
@@ -679,7 +680,7 @@
           <a:p>
             <a:fld id="{33EEB7FE-5CEF-4749-9F31-4E5F98A2BD45}" type="datetimeFigureOut">
               <a:rPr lang="zh-TW" altLang="en-US" smtClean="0"/>
-              <a:t>2023/8/8</a:t>
+              <a:t>2023/8/9</a:t>
             </a:fld>
             <a:endParaRPr lang="zh-TW" altLang="en-US"/>
           </a:p>
@@ -849,7 +850,7 @@
           <a:p>
             <a:fld id="{33EEB7FE-5CEF-4749-9F31-4E5F98A2BD45}" type="datetimeFigureOut">
               <a:rPr lang="zh-TW" altLang="en-US" smtClean="0"/>
-              <a:t>2023/8/8</a:t>
+              <a:t>2023/8/9</a:t>
             </a:fld>
             <a:endParaRPr lang="zh-TW" altLang="en-US"/>
           </a:p>
@@ -1095,7 +1096,7 @@
           <a:p>
             <a:fld id="{33EEB7FE-5CEF-4749-9F31-4E5F98A2BD45}" type="datetimeFigureOut">
               <a:rPr lang="zh-TW" altLang="en-US" smtClean="0"/>
-              <a:t>2023/8/8</a:t>
+              <a:t>2023/8/9</a:t>
             </a:fld>
             <a:endParaRPr lang="zh-TW" altLang="en-US"/>
           </a:p>
@@ -1383,7 +1384,7 @@
           <a:p>
             <a:fld id="{33EEB7FE-5CEF-4749-9F31-4E5F98A2BD45}" type="datetimeFigureOut">
               <a:rPr lang="zh-TW" altLang="en-US" smtClean="0"/>
-              <a:t>2023/8/8</a:t>
+              <a:t>2023/8/9</a:t>
             </a:fld>
             <a:endParaRPr lang="zh-TW" altLang="en-US"/>
           </a:p>
@@ -1805,7 +1806,7 @@
           <a:p>
             <a:fld id="{33EEB7FE-5CEF-4749-9F31-4E5F98A2BD45}" type="datetimeFigureOut">
               <a:rPr lang="zh-TW" altLang="en-US" smtClean="0"/>
-              <a:t>2023/8/8</a:t>
+              <a:t>2023/8/9</a:t>
             </a:fld>
             <a:endParaRPr lang="zh-TW" altLang="en-US"/>
           </a:p>
@@ -1923,7 +1924,7 @@
           <a:p>
             <a:fld id="{33EEB7FE-5CEF-4749-9F31-4E5F98A2BD45}" type="datetimeFigureOut">
               <a:rPr lang="zh-TW" altLang="en-US" smtClean="0"/>
-              <a:t>2023/8/8</a:t>
+              <a:t>2023/8/9</a:t>
             </a:fld>
             <a:endParaRPr lang="zh-TW" altLang="en-US"/>
           </a:p>
@@ -2018,7 +2019,7 @@
           <a:p>
             <a:fld id="{33EEB7FE-5CEF-4749-9F31-4E5F98A2BD45}" type="datetimeFigureOut">
               <a:rPr lang="zh-TW" altLang="en-US" smtClean="0"/>
-              <a:t>2023/8/8</a:t>
+              <a:t>2023/8/9</a:t>
             </a:fld>
             <a:endParaRPr lang="zh-TW" altLang="en-US"/>
           </a:p>
@@ -2295,7 +2296,7 @@
           <a:p>
             <a:fld id="{33EEB7FE-5CEF-4749-9F31-4E5F98A2BD45}" type="datetimeFigureOut">
               <a:rPr lang="zh-TW" altLang="en-US" smtClean="0"/>
-              <a:t>2023/8/8</a:t>
+              <a:t>2023/8/9</a:t>
             </a:fld>
             <a:endParaRPr lang="zh-TW" altLang="en-US"/>
           </a:p>
@@ -2548,7 +2549,7 @@
           <a:p>
             <a:fld id="{33EEB7FE-5CEF-4749-9F31-4E5F98A2BD45}" type="datetimeFigureOut">
               <a:rPr lang="zh-TW" altLang="en-US" smtClean="0"/>
-              <a:t>2023/8/8</a:t>
+              <a:t>2023/8/9</a:t>
             </a:fld>
             <a:endParaRPr lang="zh-TW" altLang="en-US"/>
           </a:p>
@@ -2761,7 +2762,7 @@
           <a:p>
             <a:fld id="{33EEB7FE-5CEF-4749-9F31-4E5F98A2BD45}" type="datetimeFigureOut">
               <a:rPr lang="zh-TW" altLang="en-US" smtClean="0"/>
-              <a:t>2023/8/8</a:t>
+              <a:t>2023/8/9</a:t>
             </a:fld>
             <a:endParaRPr lang="zh-TW" altLang="en-US"/>
           </a:p>
@@ -11022,27 +11023,7 @@
                 <a:latin typeface="微軟正黑體" panose="020B0604030504040204" pitchFamily="34" charset="-120"/>
                 <a:ea typeface="微軟正黑體" panose="020B0604030504040204" pitchFamily="34" charset="-120"/>
               </a:rPr>
-              <a:t>利用彈跳視窗，更新圖框</a:t>
-            </a:r>
-            <a:r>
-              <a:rPr lang="zh-TW" altLang="en-US" b="1" dirty="0" smtClean="0">
-                <a:solidFill>
-                  <a:schemeClr val="tx1"/>
-                </a:solidFill>
-                <a:latin typeface="微軟正黑體" panose="020B0604030504040204" pitchFamily="34" charset="-120"/>
-                <a:ea typeface="微軟正黑體" panose="020B0604030504040204" pitchFamily="34" charset="-120"/>
-              </a:rPr>
-              <a:t>中的材料</a:t>
-            </a:r>
-            <a:r>
-              <a:rPr lang="zh-TW" altLang="en-US" b="1" dirty="0" smtClean="0">
-                <a:solidFill>
-                  <a:schemeClr val="tx1"/>
-                </a:solidFill>
-                <a:latin typeface="微軟正黑體" panose="020B0604030504040204" pitchFamily="34" charset="-120"/>
-                <a:ea typeface="微軟正黑體" panose="020B0604030504040204" pitchFamily="34" charset="-120"/>
-              </a:rPr>
-              <a:t>、顏色、加工方式</a:t>
+              <a:t>利用彈跳視窗，更新圖框中的材料、顏色、加工方式</a:t>
             </a:r>
             <a:endParaRPr lang="en-US" altLang="zh-TW" b="1" dirty="0" smtClean="0">
               <a:solidFill>
@@ -12814,13 +12795,6 @@
               </a:rPr>
               <a:t>好幾倍</a:t>
             </a:r>
-            <a:endParaRPr lang="zh-TW" altLang="en-US" b="1" dirty="0">
-              <a:solidFill>
-                <a:schemeClr val="tx1"/>
-              </a:solidFill>
-              <a:latin typeface="微軟正黑體" panose="020B0604030504040204" pitchFamily="34" charset="-120"/>
-              <a:ea typeface="微軟正黑體" panose="020B0604030504040204" pitchFamily="34" charset="-120"/>
-            </a:endParaRPr>
           </a:p>
         </p:txBody>
       </p:sp>
@@ -12838,6 +12812,217 @@
 </file>
 
 <file path=ppt/slides/slide41.xml><?xml version="1.0" encoding="utf-8"?>
+<p:sld xmlns:a="http://schemas.openxmlformats.org/drawingml/2006/main" xmlns:r="http://schemas.openxmlformats.org/officeDocument/2006/relationships" xmlns:p="http://schemas.openxmlformats.org/presentationml/2006/main">
+  <p:cSld>
+    <p:spTree>
+      <p:nvGrpSpPr>
+        <p:cNvPr id="1" name=""/>
+        <p:cNvGrpSpPr/>
+        <p:nvPr/>
+      </p:nvGrpSpPr>
+      <p:grpSpPr>
+        <a:xfrm>
+          <a:off x="0" y="0"/>
+          <a:ext cx="0" cy="0"/>
+          <a:chOff x="0" y="0"/>
+          <a:chExt cx="0" cy="0"/>
+        </a:xfrm>
+      </p:grpSpPr>
+      <p:sp>
+        <p:nvSpPr>
+          <p:cNvPr id="2" name="標題 1"/>
+          <p:cNvSpPr>
+            <a:spLocks noGrp="1"/>
+          </p:cNvSpPr>
+          <p:nvPr>
+            <p:ph type="title"/>
+          </p:nvPr>
+        </p:nvSpPr>
+        <p:spPr/>
+        <p:txBody>
+          <a:bodyPr>
+            <a:normAutofit/>
+          </a:bodyPr>
+          <a:lstStyle/>
+          <a:p>
+            <a:r>
+              <a:rPr lang="zh-TW" altLang="en-US" dirty="0" smtClean="0">
+                <a:latin typeface="微軟正黑體" panose="020B0604030504040204" pitchFamily="34" charset="-120"/>
+                <a:ea typeface="微軟正黑體" panose="020B0604030504040204" pitchFamily="34" charset="-120"/>
+              </a:rPr>
+              <a:t>執行順序說明</a:t>
+            </a:r>
+            <a:endParaRPr lang="zh-TW" altLang="en-US" dirty="0"/>
+          </a:p>
+        </p:txBody>
+      </p:sp>
+      <p:sp>
+        <p:nvSpPr>
+          <p:cNvPr id="9" name="矩形 8"/>
+          <p:cNvSpPr/>
+          <p:nvPr/>
+        </p:nvSpPr>
+        <p:spPr>
+          <a:xfrm>
+            <a:off x="467544" y="1700808"/>
+            <a:ext cx="8352928" cy="2088232"/>
+          </a:xfrm>
+          <a:prstGeom prst="rect">
+            <a:avLst/>
+          </a:prstGeom>
+        </p:spPr>
+        <p:style>
+          <a:lnRef idx="2">
+            <a:schemeClr val="accent1">
+              <a:shade val="50000"/>
+            </a:schemeClr>
+          </a:lnRef>
+          <a:fillRef idx="1">
+            <a:schemeClr val="accent1"/>
+          </a:fillRef>
+          <a:effectRef idx="0">
+            <a:schemeClr val="accent1"/>
+          </a:effectRef>
+          <a:fontRef idx="minor">
+            <a:schemeClr val="lt1"/>
+          </a:fontRef>
+        </p:style>
+        <p:txBody>
+          <a:bodyPr rtlCol="0" anchor="ctr"/>
+          <a:lstStyle/>
+          <a:p>
+            <a:pPr marL="342900" indent="-342900">
+              <a:buAutoNum type="arabicPeriod"/>
+            </a:pPr>
+            <a:r>
+              <a:rPr lang="zh-TW" altLang="en-US" b="1" dirty="0" smtClean="0">
+                <a:solidFill>
+                  <a:schemeClr val="tx1"/>
+                </a:solidFill>
+                <a:latin typeface="微軟正黑體" panose="020B0604030504040204" pitchFamily="34" charset="-120"/>
+                <a:ea typeface="微軟正黑體" panose="020B0604030504040204" pitchFamily="34" charset="-120"/>
+              </a:rPr>
+              <a:t>第一次執行</a:t>
+            </a:r>
+            <a:r>
+              <a:rPr lang="en-US" altLang="zh-TW" b="1" dirty="0" smtClean="0">
+                <a:solidFill>
+                  <a:schemeClr val="tx1"/>
+                </a:solidFill>
+                <a:latin typeface="微軟正黑體" panose="020B0604030504040204" pitchFamily="34" charset="-120"/>
+                <a:ea typeface="微軟正黑體" panose="020B0604030504040204" pitchFamily="34" charset="-120"/>
+              </a:rPr>
+              <a:t>: </a:t>
+            </a:r>
+            <a:r>
+              <a:rPr lang="zh-TW" altLang="en-US" b="1" dirty="0" smtClean="0">
+                <a:solidFill>
+                  <a:schemeClr val="tx1"/>
+                </a:solidFill>
+                <a:latin typeface="微軟正黑體" panose="020B0604030504040204" pitchFamily="34" charset="-120"/>
+                <a:ea typeface="微軟正黑體" panose="020B0604030504040204" pitchFamily="34" charset="-120"/>
+              </a:rPr>
+              <a:t>請先在</a:t>
+            </a:r>
+            <a:r>
+              <a:rPr lang="en-US" altLang="zh-TW" b="1" dirty="0" smtClean="0">
+                <a:solidFill>
+                  <a:schemeClr val="tx1"/>
+                </a:solidFill>
+                <a:latin typeface="微軟正黑體" panose="020B0604030504040204" pitchFamily="34" charset="-120"/>
+                <a:ea typeface="微軟正黑體" panose="020B0604030504040204" pitchFamily="34" charset="-120"/>
+              </a:rPr>
+              <a:t>AutoCAD </a:t>
+            </a:r>
+            <a:r>
+              <a:rPr lang="zh-TW" altLang="en-US" b="1" dirty="0" smtClean="0">
+                <a:solidFill>
+                  <a:schemeClr val="tx1"/>
+                </a:solidFill>
+                <a:latin typeface="微軟正黑體" panose="020B0604030504040204" pitchFamily="34" charset="-120"/>
+                <a:ea typeface="微軟正黑體" panose="020B0604030504040204" pitchFamily="34" charset="-120"/>
+              </a:rPr>
+              <a:t>中執行 </a:t>
+            </a:r>
+            <a:r>
+              <a:rPr lang="en-US" altLang="zh-TW" b="1" dirty="0" smtClean="0">
+                <a:solidFill>
+                  <a:schemeClr val="tx1"/>
+                </a:solidFill>
+                <a:latin typeface="微軟正黑體" panose="020B0604030504040204" pitchFamily="34" charset="-120"/>
+                <a:ea typeface="微軟正黑體" panose="020B0604030504040204" pitchFamily="34" charset="-120"/>
+              </a:rPr>
+              <a:t>LREG</a:t>
+            </a:r>
+          </a:p>
+          <a:p>
+            <a:pPr marL="342900" indent="-342900">
+              <a:buAutoNum type="arabicPeriod"/>
+            </a:pPr>
+            <a:r>
+              <a:rPr lang="zh-TW" altLang="en-US" b="1" dirty="0" smtClean="0">
+                <a:solidFill>
+                  <a:schemeClr val="tx1"/>
+                </a:solidFill>
+                <a:latin typeface="微軟正黑體" panose="020B0604030504040204" pitchFamily="34" charset="-120"/>
+                <a:ea typeface="微軟正黑體" panose="020B0604030504040204" pitchFamily="34" charset="-120"/>
+              </a:rPr>
+              <a:t>之後先執行 </a:t>
+            </a:r>
+            <a:r>
+              <a:rPr lang="en-US" altLang="zh-TW" b="1" dirty="0" smtClean="0">
+                <a:solidFill>
+                  <a:schemeClr val="tx1"/>
+                </a:solidFill>
+                <a:latin typeface="微軟正黑體" panose="020B0604030504040204" pitchFamily="34" charset="-120"/>
+                <a:ea typeface="微軟正黑體" panose="020B0604030504040204" pitchFamily="34" charset="-120"/>
+              </a:rPr>
+              <a:t>L0</a:t>
+            </a:r>
+            <a:r>
+              <a:rPr lang="zh-TW" altLang="en-US" b="1" dirty="0" smtClean="0">
+                <a:solidFill>
+                  <a:schemeClr val="tx1"/>
+                </a:solidFill>
+                <a:latin typeface="微軟正黑體" panose="020B0604030504040204" pitchFamily="34" charset="-120"/>
+                <a:ea typeface="微軟正黑體" panose="020B0604030504040204" pitchFamily="34" charset="-120"/>
+              </a:rPr>
+              <a:t>，再執行 </a:t>
+            </a:r>
+            <a:r>
+              <a:rPr lang="en-US" altLang="zh-TW" b="1" dirty="0" smtClean="0">
+                <a:solidFill>
+                  <a:schemeClr val="tx1"/>
+                </a:solidFill>
+                <a:latin typeface="微軟正黑體" panose="020B0604030504040204" pitchFamily="34" charset="-120"/>
+                <a:ea typeface="微軟正黑體" panose="020B0604030504040204" pitchFamily="34" charset="-120"/>
+              </a:rPr>
+              <a:t>L1/L3/L4</a:t>
+            </a:r>
+            <a:endParaRPr lang="en-US" altLang="zh-TW" b="1" dirty="0">
+              <a:solidFill>
+                <a:schemeClr val="tx1"/>
+              </a:solidFill>
+              <a:latin typeface="微軟正黑體" panose="020B0604030504040204" pitchFamily="34" charset="-120"/>
+              <a:ea typeface="微軟正黑體" panose="020B0604030504040204" pitchFamily="34" charset="-120"/>
+            </a:endParaRPr>
+          </a:p>
+        </p:txBody>
+      </p:sp>
+    </p:spTree>
+    <p:extLst>
+      <p:ext uri="{BB962C8B-B14F-4D97-AF65-F5344CB8AC3E}">
+        <p14:creationId xmlns:p14="http://schemas.microsoft.com/office/powerpoint/2010/main" val="2736128240"/>
+      </p:ext>
+    </p:extLst>
+  </p:cSld>
+  <p:clrMapOvr>
+    <a:masterClrMapping/>
+  </p:clrMapOvr>
+</p:sld>
+</file>
+
+<file path=ppt/slides/slide42.xml><?xml version="1.0" encoding="utf-8"?>
 <p:sld xmlns:a="http://schemas.openxmlformats.org/drawingml/2006/main" xmlns:r="http://schemas.openxmlformats.org/officeDocument/2006/relationships" xmlns:p="http://schemas.openxmlformats.org/presentationml/2006/main">
   <p:cSld>
     <p:spTree>
@@ -13127,7 +13312,7 @@
 </p:sld>
 </file>
 
-<file path=ppt/slides/slide42.xml><?xml version="1.0" encoding="utf-8"?>
+<file path=ppt/slides/slide43.xml><?xml version="1.0" encoding="utf-8"?>
 <p:sld xmlns:a="http://schemas.openxmlformats.org/drawingml/2006/main" xmlns:r="http://schemas.openxmlformats.org/officeDocument/2006/relationships" xmlns:p="http://schemas.openxmlformats.org/presentationml/2006/main">
   <p:cSld>
     <p:spTree>
